--- a/ADL Final.pptx
+++ b/ADL Final.pptx
@@ -13710,7 +13710,7 @@
           <a:p>
             <a:r>
               <a:rPr lang="en-US" dirty="0"/>
-              <a:t>conclusion</a:t>
+              <a:t>Discussion/Findings</a:t>
             </a:r>
           </a:p>
         </p:txBody>
